--- a/docs/diagrams/WhiteBlackDiagrams/ModelComponentClassDiagram.pptx
+++ b/docs/diagrams/WhiteBlackDiagrams/ModelComponentClassDiagram.pptx
@@ -3444,10 +3444,10 @@
       </p:grpSpPr>
       <p:grpSp>
         <p:nvGrpSpPr>
-          <p:cNvPr id="3" name="Group 2">
+          <p:cNvPr id="29" name="Group 28">
             <a:extLst>
               <a:ext uri="{FF2B5EF4-FFF2-40B4-BE49-F238E27FC236}">
-                <a16:creationId xmlns:a16="http://schemas.microsoft.com/office/drawing/2014/main" id="{DA7E2FA9-0117-1643-B715-7A15F569DE2F}"/>
+                <a16:creationId xmlns:a16="http://schemas.microsoft.com/office/drawing/2014/main" id="{0337784F-B8D7-0441-AE93-A8BB802882AA}"/>
               </a:ext>
             </a:extLst>
           </p:cNvPr>
@@ -3456,120 +3456,12 @@
         </p:nvGrpSpPr>
         <p:grpSpPr>
           <a:xfrm>
-            <a:off x="76200" y="1447800"/>
-            <a:ext cx="8686800" cy="4191000"/>
+            <a:off x="910091" y="1727200"/>
+            <a:ext cx="7929109" cy="2997200"/>
             <a:chOff x="910091" y="1727200"/>
-            <a:chExt cx="6328909" cy="2997200"/>
+            <a:chExt cx="7929109" cy="2997200"/>
           </a:xfrm>
         </p:grpSpPr>
-        <p:sp>
-          <p:nvSpPr>
-            <p:cNvPr id="114" name="TextBox 113"/>
-            <p:cNvSpPr txBox="1"/>
-            <p:nvPr/>
-          </p:nvSpPr>
-          <p:spPr>
-            <a:xfrm rot="16200000">
-              <a:off x="6527512" y="3616204"/>
-              <a:ext cx="881018" cy="201812"/>
-            </a:xfrm>
-            <a:prstGeom prst="rect">
-              <a:avLst/>
-            </a:prstGeom>
-            <a:noFill/>
-            <a:ln>
-              <a:solidFill>
-                <a:schemeClr val="bg1"/>
-              </a:solidFill>
-            </a:ln>
-          </p:spPr>
-          <p:txBody>
-            <a:bodyPr wrap="square" rtlCol="0">
-              <a:spAutoFit/>
-            </a:bodyPr>
-            <a:lstStyle/>
-            <a:p>
-              <a:pPr algn="r"/>
-              <a:r>
-                <a:rPr lang="en-US" sz="1200" dirty="0"/>
-                <a:t>filtered list</a:t>
-              </a:r>
-              <a:endParaRPr lang="en-SG" sz="1200" dirty="0"/>
-            </a:p>
-          </p:txBody>
-        </p:sp>
-        <p:sp>
-          <p:nvSpPr>
-            <p:cNvPr id="70" name="TextBox 69"/>
-            <p:cNvSpPr txBox="1"/>
-            <p:nvPr/>
-          </p:nvSpPr>
-          <p:spPr>
-            <a:xfrm>
-              <a:off x="6697766" y="3250317"/>
-              <a:ext cx="129265" cy="178683"/>
-            </a:xfrm>
-            <a:prstGeom prst="rect">
-              <a:avLst/>
-            </a:prstGeom>
-            <a:noFill/>
-            <a:ln>
-              <a:solidFill>
-                <a:schemeClr val="bg1"/>
-              </a:solidFill>
-            </a:ln>
-          </p:spPr>
-          <p:txBody>
-            <a:bodyPr wrap="square" lIns="0" tIns="0" rIns="0" bIns="0" rtlCol="0">
-              <a:noAutofit/>
-            </a:bodyPr>
-            <a:lstStyle/>
-            <a:p>
-              <a:pPr algn="ctr"/>
-              <a:r>
-                <a:rPr lang="en-US" sz="1200" dirty="0"/>
-                <a:t>1</a:t>
-              </a:r>
-              <a:endParaRPr lang="en-SG" sz="1200" dirty="0"/>
-            </a:p>
-          </p:txBody>
-        </p:sp>
-        <p:sp>
-          <p:nvSpPr>
-            <p:cNvPr id="60" name="TextBox 59"/>
-            <p:cNvSpPr txBox="1"/>
-            <p:nvPr/>
-          </p:nvSpPr>
-          <p:spPr>
-            <a:xfrm>
-              <a:off x="5163172" y="1778919"/>
-              <a:ext cx="189257" cy="178683"/>
-            </a:xfrm>
-            <a:prstGeom prst="rect">
-              <a:avLst/>
-            </a:prstGeom>
-            <a:noFill/>
-            <a:ln>
-              <a:solidFill>
-                <a:schemeClr val="bg1"/>
-              </a:solidFill>
-            </a:ln>
-          </p:spPr>
-          <p:txBody>
-            <a:bodyPr wrap="square" lIns="0" tIns="0" rIns="0" bIns="0" rtlCol="0">
-              <a:noAutofit/>
-            </a:bodyPr>
-            <a:lstStyle/>
-            <a:p>
-              <a:pPr algn="ctr"/>
-              <a:r>
-                <a:rPr lang="en-US" sz="1200" dirty="0"/>
-                <a:t>*</a:t>
-              </a:r>
-              <a:endParaRPr lang="en-SG" sz="1200" dirty="0"/>
-            </a:p>
-          </p:txBody>
-        </p:sp>
         <p:sp>
           <p:nvSpPr>
             <p:cNvPr id="118" name="Rectangle 65"/>
@@ -3579,7 +3471,7 @@
           <p:spPr>
             <a:xfrm>
               <a:off x="1119865" y="1727200"/>
-              <a:ext cx="6119135" cy="2997200"/>
+              <a:ext cx="7719335" cy="2997200"/>
             </a:xfrm>
             <a:prstGeom prst="roundRect">
               <a:avLst>
@@ -3670,14 +3562,14 @@
             <a:p>
               <a:pPr algn="ctr"/>
               <a:r>
-                <a:rPr lang="en-US" sz="1200" dirty="0" err="1">
+                <a:rPr lang="en-US" sz="1050" dirty="0" err="1">
                   <a:solidFill>
                     <a:schemeClr val="tx1"/>
                   </a:solidFill>
                 </a:rPr>
                 <a:t>UserPref</a:t>
               </a:r>
-              <a:endParaRPr lang="en-SG" sz="1200" dirty="0">
+              <a:endParaRPr lang="en-SG" sz="1050" dirty="0">
                 <a:solidFill>
                   <a:schemeClr val="tx1"/>
                 </a:solidFill>
@@ -3727,14 +3619,14 @@
             <a:p>
               <a:pPr algn="ctr"/>
               <a:r>
-                <a:rPr lang="en-US" sz="1200" dirty="0" err="1">
+                <a:rPr lang="en-US" sz="1050" dirty="0" err="1">
                   <a:solidFill>
                     <a:schemeClr val="tx1"/>
                   </a:solidFill>
                 </a:rPr>
                 <a:t>ModelManager</a:t>
               </a:r>
-              <a:endParaRPr lang="en-SG" sz="1200" dirty="0">
+              <a:endParaRPr lang="en-SG" sz="1050" dirty="0">
                 <a:solidFill>
                   <a:schemeClr val="tx1"/>
                 </a:solidFill>
@@ -3828,7 +3720,7 @@
             <a:p>
               <a:pPr algn="ctr"/>
               <a:r>
-                <a:rPr lang="en-US" sz="1200" dirty="0">
+                <a:rPr lang="en-US" sz="1050" dirty="0">
                   <a:solidFill>
                     <a:schemeClr val="tx1"/>
                   </a:solidFill>
@@ -3839,14 +3731,14 @@
             <a:p>
               <a:pPr algn="ctr"/>
               <a:r>
-                <a:rPr lang="en-US" sz="1200" dirty="0">
+                <a:rPr lang="en-US" sz="1050" dirty="0">
                   <a:solidFill>
                     <a:schemeClr val="tx1"/>
                   </a:solidFill>
                 </a:rPr>
                 <a:t>Model</a:t>
               </a:r>
-              <a:endParaRPr lang="en-SG" sz="1200" dirty="0">
+              <a:endParaRPr lang="en-SG" sz="1050" dirty="0">
                 <a:solidFill>
                   <a:schemeClr val="tx1"/>
                 </a:solidFill>
@@ -3895,7 +3787,7 @@
             <a:lstStyle/>
             <a:p>
               <a:pPr algn="ctr"/>
-              <a:endParaRPr lang="en-SG" sz="1200">
+              <a:endParaRPr lang="en-SG" sz="1050">
                 <a:solidFill>
                   <a:schemeClr val="tx1"/>
                 </a:solidFill>
@@ -4067,7 +3959,7 @@
             <a:lstStyle/>
             <a:p>
               <a:pPr algn="ctr"/>
-              <a:endParaRPr lang="en-US" sz="1200">
+              <a:endParaRPr lang="en-US" sz="1050">
                 <a:solidFill>
                   <a:schemeClr val="tx1"/>
                 </a:solidFill>
@@ -4117,14 +4009,14 @@
             <a:p>
               <a:pPr algn="ctr"/>
               <a:r>
-                <a:rPr lang="en-US" sz="1200" dirty="0" err="1">
+                <a:rPr lang="en-US" sz="1050" dirty="0" err="1">
                   <a:solidFill>
                     <a:schemeClr val="tx1"/>
                   </a:solidFill>
                 </a:rPr>
                 <a:t>CardBank</a:t>
               </a:r>
-              <a:endParaRPr lang="en-SG" sz="1200" dirty="0">
+              <a:endParaRPr lang="en-SG" sz="1050" dirty="0">
                 <a:solidFill>
                   <a:schemeClr val="tx1"/>
                 </a:solidFill>
@@ -4214,7 +4106,7 @@
             <a:lstStyle/>
             <a:p>
               <a:pPr algn="ctr"/>
-              <a:endParaRPr lang="en-US" sz="1200">
+              <a:endParaRPr lang="en-US" sz="1050">
                 <a:solidFill>
                   <a:schemeClr val="tx1"/>
                 </a:solidFill>
@@ -4264,14 +4156,14 @@
             <a:p>
               <a:pPr algn="ctr"/>
               <a:r>
-                <a:rPr lang="en-US" sz="1200" dirty="0" err="1">
+                <a:rPr lang="en-US" sz="1050" dirty="0" err="1">
                   <a:solidFill>
                     <a:schemeClr val="tx1"/>
                   </a:solidFill>
                 </a:rPr>
                 <a:t>UniqueCardList</a:t>
               </a:r>
-              <a:endParaRPr lang="en-SG" sz="1200" dirty="0">
+              <a:endParaRPr lang="en-SG" sz="1050" dirty="0">
                 <a:solidFill>
                   <a:schemeClr val="tx1"/>
                 </a:solidFill>
@@ -4320,7 +4212,7 @@
             <a:lstStyle/>
             <a:p>
               <a:pPr algn="ctr"/>
-              <a:endParaRPr lang="en-US" sz="1200">
+              <a:endParaRPr lang="en-US" sz="1050">
                 <a:solidFill>
                   <a:schemeClr val="tx1"/>
                 </a:solidFill>
@@ -4411,14 +4303,14 @@
             <a:p>
               <a:pPr algn="ctr"/>
               <a:r>
-                <a:rPr lang="en-US" sz="1200" dirty="0" err="1">
+                <a:rPr lang="en-US" sz="1050" dirty="0" err="1">
                   <a:solidFill>
                     <a:schemeClr val="tx1"/>
                   </a:solidFill>
                 </a:rPr>
                 <a:t>UniqueTagList</a:t>
               </a:r>
-              <a:endParaRPr lang="en-SG" sz="1200" dirty="0">
+              <a:endParaRPr lang="en-SG" sz="1050" dirty="0">
                 <a:solidFill>
                   <a:schemeClr val="tx1"/>
                 </a:solidFill>
@@ -4430,15 +4322,14 @@
           <p:nvCxnSpPr>
             <p:cNvPr id="59" name="Elbow Connector 58"/>
             <p:cNvCxnSpPr>
-              <a:stCxn id="51" idx="3"/>
-              <a:endCxn id="57" idx="1"/>
+              <a:cxnSpLocks/>
             </p:cNvCxnSpPr>
             <p:nvPr/>
           </p:nvCxnSpPr>
           <p:spPr>
             <a:xfrm flipV="1">
-              <a:off x="4220351" y="2453949"/>
-              <a:ext cx="256977" cy="306732"/>
+              <a:off x="4227198" y="2460299"/>
+              <a:ext cx="255902" cy="306732"/>
             </a:xfrm>
             <a:prstGeom prst="bentConnector3">
               <a:avLst>
@@ -4511,14 +4402,14 @@
             <a:p>
               <a:pPr algn="ctr"/>
               <a:r>
-                <a:rPr lang="en-US" sz="1200" dirty="0">
+                <a:rPr lang="en-US" sz="1050" dirty="0">
                   <a:solidFill>
                     <a:schemeClr val="tx1"/>
                   </a:solidFill>
                 </a:rPr>
                 <a:t>Card</a:t>
               </a:r>
-              <a:endParaRPr lang="en-SG" sz="1200" dirty="0">
+              <a:endParaRPr lang="en-SG" sz="1050" dirty="0">
                 <a:solidFill>
                   <a:schemeClr val="tx1"/>
                 </a:solidFill>
@@ -4567,7 +4458,7 @@
             <a:lstStyle/>
             <a:p>
               <a:pPr algn="ctr"/>
-              <a:endParaRPr lang="en-US" sz="1200">
+              <a:endParaRPr lang="en-US" sz="1050">
                 <a:solidFill>
                   <a:schemeClr val="tx1"/>
                 </a:solidFill>
@@ -4658,14 +4549,14 @@
             <a:p>
               <a:pPr algn="ctr"/>
               <a:r>
-                <a:rPr lang="en-US" sz="1200" dirty="0">
+                <a:rPr lang="en-US" sz="1050" dirty="0">
                   <a:solidFill>
                     <a:schemeClr val="tx1"/>
                   </a:solidFill>
                 </a:rPr>
                 <a:t>Tag</a:t>
               </a:r>
-              <a:endParaRPr lang="en-SG" sz="1200" dirty="0">
+              <a:endParaRPr lang="en-SG" sz="1050" dirty="0">
                 <a:solidFill>
                   <a:schemeClr val="tx1"/>
                 </a:solidFill>
@@ -4714,7 +4605,7 @@
             <a:lstStyle/>
             <a:p>
               <a:pPr algn="ctr"/>
-              <a:endParaRPr lang="en-US" sz="1200">
+              <a:endParaRPr lang="en-US" sz="1050">
                 <a:solidFill>
                   <a:schemeClr val="tx1"/>
                 </a:solidFill>
@@ -4763,6 +4654,120 @@
             </a:fontRef>
           </p:style>
         </p:cxnSp>
+        <p:sp>
+          <p:nvSpPr>
+            <p:cNvPr id="76" name="Rectangle 8"/>
+            <p:cNvSpPr/>
+            <p:nvPr/>
+          </p:nvSpPr>
+          <p:spPr>
+            <a:xfrm>
+              <a:off x="7712397" y="2564238"/>
+              <a:ext cx="708186" cy="285783"/>
+            </a:xfrm>
+            <a:prstGeom prst="rect">
+              <a:avLst/>
+            </a:prstGeom>
+            <a:noFill/>
+            <a:ln w="19050">
+              <a:solidFill>
+                <a:schemeClr val="tx1"/>
+              </a:solidFill>
+            </a:ln>
+            <a:effectLst/>
+          </p:spPr>
+          <p:style>
+            <a:lnRef idx="1">
+              <a:schemeClr val="accent4"/>
+            </a:lnRef>
+            <a:fillRef idx="2">
+              <a:schemeClr val="accent4"/>
+            </a:fillRef>
+            <a:effectRef idx="1">
+              <a:schemeClr val="accent4"/>
+            </a:effectRef>
+            <a:fontRef idx="minor">
+              <a:schemeClr val="dk1"/>
+            </a:fontRef>
+          </p:style>
+          <p:txBody>
+            <a:bodyPr rtlCol="0" anchor="ctr"/>
+            <a:lstStyle/>
+            <a:p>
+              <a:pPr algn="ctr"/>
+              <a:r>
+                <a:rPr lang="en-US" sz="1050" dirty="0" err="1">
+                  <a:solidFill>
+                    <a:schemeClr val="tx1"/>
+                  </a:solidFill>
+                </a:rPr>
+                <a:t>McqCard</a:t>
+              </a:r>
+              <a:endParaRPr lang="en-SG" sz="1050" dirty="0">
+                <a:solidFill>
+                  <a:schemeClr val="tx1"/>
+                </a:solidFill>
+              </a:endParaRPr>
+            </a:p>
+          </p:txBody>
+        </p:sp>
+        <p:sp>
+          <p:nvSpPr>
+            <p:cNvPr id="85" name="Rectangle 8"/>
+            <p:cNvSpPr/>
+            <p:nvPr/>
+          </p:nvSpPr>
+          <p:spPr>
+            <a:xfrm>
+              <a:off x="7713743" y="3214012"/>
+              <a:ext cx="974403" cy="285783"/>
+            </a:xfrm>
+            <a:prstGeom prst="rect">
+              <a:avLst/>
+            </a:prstGeom>
+            <a:noFill/>
+            <a:ln w="19050">
+              <a:solidFill>
+                <a:schemeClr val="tx1"/>
+              </a:solidFill>
+            </a:ln>
+            <a:effectLst/>
+          </p:spPr>
+          <p:style>
+            <a:lnRef idx="1">
+              <a:schemeClr val="accent4"/>
+            </a:lnRef>
+            <a:fillRef idx="2">
+              <a:schemeClr val="accent4"/>
+            </a:fillRef>
+            <a:effectRef idx="1">
+              <a:schemeClr val="accent4"/>
+            </a:effectRef>
+            <a:fontRef idx="minor">
+              <a:schemeClr val="dk1"/>
+            </a:fontRef>
+          </p:style>
+          <p:txBody>
+            <a:bodyPr rtlCol="0" anchor="ctr"/>
+            <a:lstStyle/>
+            <a:p>
+              <a:pPr algn="ctr"/>
+              <a:r>
+                <a:rPr lang="en-US" sz="1050" dirty="0" err="1">
+                  <a:solidFill>
+                    <a:schemeClr val="tx1"/>
+                  </a:solidFill>
+                </a:rPr>
+                <a:t>FillBlanksCard</a:t>
+              </a:r>
+              <a:endParaRPr lang="en-SG" sz="1050" dirty="0">
+                <a:solidFill>
+                  <a:schemeClr val="tx1"/>
+                </a:solidFill>
+              </a:endParaRPr>
+            </a:p>
+          </p:txBody>
+        </p:sp>
         <p:cxnSp>
           <p:nvCxnSpPr>
             <p:cNvPr id="97" name="Elbow Connector 63"/>
@@ -4847,7 +4852,7 @@
             <a:lstStyle/>
             <a:p>
               <a:pPr algn="ctr"/>
-              <a:endParaRPr lang="en-SG" sz="1200" b="1">
+              <a:endParaRPr lang="en-SG" sz="1050" b="1">
                 <a:solidFill>
                   <a:schemeClr val="tx1"/>
                 </a:solidFill>
@@ -4897,7 +4902,7 @@
             <a:p>
               <a:pPr algn="ctr"/>
               <a:r>
-                <a:rPr lang="en-US" sz="1200" dirty="0">
+                <a:rPr lang="en-US" sz="1050" dirty="0">
                   <a:solidFill>
                     <a:schemeClr val="tx1"/>
                   </a:solidFill>
@@ -4905,25 +4910,59 @@
                 <a:t>&lt;&lt;interface&gt;&gt;</a:t>
               </a:r>
               <a:br>
-                <a:rPr lang="en-US" sz="1200" dirty="0">
+                <a:rPr lang="en-US" sz="1050" dirty="0">
                   <a:solidFill>
                     <a:schemeClr val="tx1"/>
                   </a:solidFill>
                 </a:rPr>
               </a:br>
               <a:r>
-                <a:rPr lang="en-US" sz="1200" dirty="0" err="1">
+                <a:rPr lang="en-US" sz="1050" dirty="0" err="1">
                   <a:solidFill>
                     <a:schemeClr val="tx1"/>
                   </a:solidFill>
                 </a:rPr>
                 <a:t>ReadOnlyCardBank</a:t>
               </a:r>
-              <a:endParaRPr lang="en-SG" sz="1200" dirty="0">
+              <a:endParaRPr lang="en-SG" sz="1050" dirty="0">
                 <a:solidFill>
                   <a:schemeClr val="tx1"/>
                 </a:solidFill>
               </a:endParaRPr>
+            </a:p>
+          </p:txBody>
+        </p:sp>
+        <p:sp>
+          <p:nvSpPr>
+            <p:cNvPr id="114" name="TextBox 113"/>
+            <p:cNvSpPr txBox="1"/>
+            <p:nvPr/>
+          </p:nvSpPr>
+          <p:spPr>
+            <a:xfrm rot="16200000">
+              <a:off x="6527512" y="3586305"/>
+              <a:ext cx="881018" cy="261610"/>
+            </a:xfrm>
+            <a:prstGeom prst="rect">
+              <a:avLst/>
+            </a:prstGeom>
+            <a:noFill/>
+            <a:ln>
+              <a:noFill/>
+            </a:ln>
+          </p:spPr>
+          <p:txBody>
+            <a:bodyPr wrap="square" rtlCol="0">
+              <a:spAutoFit/>
+            </a:bodyPr>
+            <a:lstStyle/>
+            <a:p>
+              <a:pPr algn="r"/>
+              <a:r>
+                <a:rPr lang="en-US" sz="1100" dirty="0"/>
+                <a:t>filtered list</a:t>
+              </a:r>
+              <a:endParaRPr lang="en-SG" sz="1100" dirty="0"/>
             </a:p>
           </p:txBody>
         </p:sp>
@@ -4969,7 +5008,7 @@
             <a:p>
               <a:pPr algn="ctr"/>
               <a:r>
-                <a:rPr lang="en-US" sz="1200" dirty="0">
+                <a:rPr lang="en-US" sz="1050" dirty="0">
                   <a:solidFill>
                     <a:schemeClr val="tx1"/>
                   </a:solidFill>
@@ -4977,21 +5016,21 @@
                 <a:t>&lt;&lt;interface&gt;&gt;</a:t>
               </a:r>
               <a:br>
-                <a:rPr lang="en-US" sz="1200">
+                <a:rPr lang="en-US" sz="1050">
                   <a:solidFill>
                     <a:schemeClr val="tx1"/>
                   </a:solidFill>
                 </a:rPr>
               </a:br>
               <a:r>
-                <a:rPr lang="en-US" sz="1200" dirty="0" err="1">
+                <a:rPr lang="en-US" sz="1050" dirty="0" err="1">
                   <a:solidFill>
                     <a:schemeClr val="tx1"/>
                   </a:solidFill>
                 </a:rPr>
                 <a:t>ObservableList</a:t>
               </a:r>
-              <a:endParaRPr lang="en-SG" sz="1200" dirty="0">
+              <a:endParaRPr lang="en-SG" sz="1050" dirty="0">
                 <a:solidFill>
                   <a:schemeClr val="tx1"/>
                 </a:solidFill>
@@ -5098,9 +5137,7 @@
             </a:prstGeom>
             <a:noFill/>
             <a:ln>
-              <a:solidFill>
-                <a:schemeClr val="tx1"/>
-              </a:solidFill>
+              <a:noFill/>
             </a:ln>
           </p:spPr>
           <p:txBody>
@@ -5111,10 +5148,10 @@
             <a:p>
               <a:pPr algn="ctr"/>
               <a:r>
-                <a:rPr lang="en-US" sz="1200" dirty="0"/>
+                <a:rPr lang="en-US" sz="1100" dirty="0"/>
                 <a:t>1</a:t>
               </a:r>
-              <a:endParaRPr lang="en-SG" sz="1200" dirty="0"/>
+              <a:endParaRPr lang="en-SG" sz="1100" dirty="0"/>
             </a:p>
           </p:txBody>
         </p:sp>
@@ -5134,9 +5171,7 @@
             </a:prstGeom>
             <a:noFill/>
             <a:ln>
-              <a:solidFill>
-                <a:schemeClr val="tx1"/>
-              </a:solidFill>
+              <a:noFill/>
             </a:ln>
           </p:spPr>
           <p:txBody>
@@ -5147,10 +5182,10 @@
             <a:p>
               <a:pPr algn="ctr"/>
               <a:r>
-                <a:rPr lang="en-US" sz="1200" dirty="0"/>
+                <a:rPr lang="en-US" sz="1100" dirty="0"/>
                 <a:t>1</a:t>
               </a:r>
-              <a:endParaRPr lang="en-SG" sz="1200" dirty="0"/>
+              <a:endParaRPr lang="en-SG" sz="1100" dirty="0"/>
             </a:p>
           </p:txBody>
         </p:sp>
@@ -5170,9 +5205,7 @@
             </a:prstGeom>
             <a:noFill/>
             <a:ln>
-              <a:solidFill>
-                <a:schemeClr val="tx1"/>
-              </a:solidFill>
+              <a:noFill/>
             </a:ln>
           </p:spPr>
           <p:txBody>
@@ -5183,10 +5216,44 @@
             <a:p>
               <a:pPr algn="ctr"/>
               <a:r>
-                <a:rPr lang="en-US" sz="1200" dirty="0"/>
+                <a:rPr lang="en-US" sz="1100" dirty="0"/>
                 <a:t>1</a:t>
               </a:r>
-              <a:endParaRPr lang="en-SG" sz="1200" dirty="0"/>
+              <a:endParaRPr lang="en-SG" sz="1100" dirty="0"/>
+            </a:p>
+          </p:txBody>
+        </p:sp>
+        <p:sp>
+          <p:nvSpPr>
+            <p:cNvPr id="60" name="TextBox 59"/>
+            <p:cNvSpPr txBox="1"/>
+            <p:nvPr/>
+          </p:nvSpPr>
+          <p:spPr>
+            <a:xfrm>
+              <a:off x="5163172" y="1778919"/>
+              <a:ext cx="189257" cy="178683"/>
+            </a:xfrm>
+            <a:prstGeom prst="rect">
+              <a:avLst/>
+            </a:prstGeom>
+            <a:noFill/>
+            <a:ln>
+              <a:noFill/>
+            </a:ln>
+          </p:spPr>
+          <p:txBody>
+            <a:bodyPr wrap="square" lIns="0" tIns="0" rIns="0" bIns="0" rtlCol="0">
+              <a:noAutofit/>
+            </a:bodyPr>
+            <a:lstStyle/>
+            <a:p>
+              <a:pPr algn="ctr"/>
+              <a:r>
+                <a:rPr lang="en-US" sz="1100" dirty="0"/>
+                <a:t>*</a:t>
+              </a:r>
+              <a:endParaRPr lang="en-SG" sz="1100" dirty="0"/>
             </a:p>
           </p:txBody>
         </p:sp>
@@ -5206,9 +5273,7 @@
             </a:prstGeom>
             <a:noFill/>
             <a:ln>
-              <a:solidFill>
-                <a:schemeClr val="bg1"/>
-              </a:solidFill>
+              <a:noFill/>
             </a:ln>
           </p:spPr>
           <p:txBody>
@@ -5219,10 +5284,10 @@
             <a:p>
               <a:pPr algn="ctr"/>
               <a:r>
-                <a:rPr lang="en-US" sz="1200" dirty="0"/>
+                <a:rPr lang="en-US" sz="1100" dirty="0"/>
                 <a:t>*</a:t>
               </a:r>
-              <a:endParaRPr lang="en-SG" sz="1200" dirty="0"/>
+              <a:endParaRPr lang="en-SG" sz="1100" dirty="0"/>
             </a:p>
           </p:txBody>
         </p:sp>
@@ -5234,7 +5299,7 @@
           </p:nvSpPr>
           <p:spPr>
             <a:xfrm>
-              <a:off x="2667000" y="2564238"/>
+              <a:off x="2687923" y="2564238"/>
               <a:ext cx="189257" cy="178683"/>
             </a:xfrm>
             <a:prstGeom prst="rect">
@@ -5242,9 +5307,7 @@
             </a:prstGeom>
             <a:noFill/>
             <a:ln>
-              <a:solidFill>
-                <a:schemeClr val="bg1"/>
-              </a:solidFill>
+              <a:noFill/>
             </a:ln>
           </p:spPr>
           <p:txBody>
@@ -5255,10 +5318,10 @@
             <a:p>
               <a:pPr algn="ctr"/>
               <a:r>
-                <a:rPr lang="en-US" sz="1200" dirty="0"/>
+                <a:rPr lang="en-US" sz="1100" dirty="0"/>
                 <a:t>1</a:t>
               </a:r>
-              <a:endParaRPr lang="en-SG" sz="1200" dirty="0"/>
+              <a:endParaRPr lang="en-SG" sz="1100" dirty="0"/>
             </a:p>
           </p:txBody>
         </p:sp>
@@ -5278,9 +5341,7 @@
             </a:prstGeom>
             <a:noFill/>
             <a:ln>
-              <a:solidFill>
-                <a:schemeClr val="bg1"/>
-              </a:solidFill>
+              <a:noFill/>
             </a:ln>
           </p:spPr>
           <p:txBody>
@@ -5291,10 +5352,323 @@
             <a:p>
               <a:pPr algn="ctr"/>
               <a:r>
-                <a:rPr lang="en-US" sz="1200" dirty="0"/>
+                <a:rPr lang="en-US" sz="1100" dirty="0"/>
                 <a:t>1</a:t>
               </a:r>
-              <a:endParaRPr lang="en-SG" sz="1200" dirty="0"/>
+              <a:endParaRPr lang="en-SG" sz="1100" dirty="0"/>
+            </a:p>
+          </p:txBody>
+        </p:sp>
+        <p:sp>
+          <p:nvSpPr>
+            <p:cNvPr id="70" name="TextBox 69"/>
+            <p:cNvSpPr txBox="1"/>
+            <p:nvPr/>
+          </p:nvSpPr>
+          <p:spPr>
+            <a:xfrm>
+              <a:off x="6667770" y="3210194"/>
+              <a:ext cx="189257" cy="178683"/>
+            </a:xfrm>
+            <a:prstGeom prst="rect">
+              <a:avLst/>
+            </a:prstGeom>
+            <a:noFill/>
+            <a:ln>
+              <a:noFill/>
+            </a:ln>
+          </p:spPr>
+          <p:txBody>
+            <a:bodyPr wrap="square" lIns="0" tIns="0" rIns="0" bIns="0" rtlCol="0">
+              <a:noAutofit/>
+            </a:bodyPr>
+            <a:lstStyle/>
+            <a:p>
+              <a:pPr algn="ctr"/>
+              <a:r>
+                <a:rPr lang="en-US" sz="1100" dirty="0"/>
+                <a:t>1</a:t>
+              </a:r>
+              <a:endParaRPr lang="en-SG" sz="1100" dirty="0"/>
+            </a:p>
+          </p:txBody>
+        </p:sp>
+        <p:sp>
+          <p:nvSpPr>
+            <p:cNvPr id="52" name="Isosceles Triangle 102">
+              <a:extLst>
+                <a:ext uri="{FF2B5EF4-FFF2-40B4-BE49-F238E27FC236}">
+                  <a16:creationId xmlns:a16="http://schemas.microsoft.com/office/drawing/2014/main" id="{A0EF9448-4784-BB41-8000-B1169D6AAE27}"/>
+                </a:ext>
+              </a:extLst>
+            </p:cNvPr>
+            <p:cNvSpPr/>
+            <p:nvPr/>
+          </p:nvSpPr>
+          <p:spPr>
+            <a:xfrm rot="16200000">
+              <a:off x="6981620" y="2949985"/>
+              <a:ext cx="270504" cy="175523"/>
+            </a:xfrm>
+            <a:prstGeom prst="triangle">
+              <a:avLst/>
+            </a:prstGeom>
+            <a:noFill/>
+            <a:ln w="19050">
+              <a:solidFill>
+                <a:schemeClr val="tx1"/>
+              </a:solidFill>
+            </a:ln>
+            <a:effectLst/>
+          </p:spPr>
+          <p:style>
+            <a:lnRef idx="1">
+              <a:schemeClr val="accent6"/>
+            </a:lnRef>
+            <a:fillRef idx="2">
+              <a:schemeClr val="accent6"/>
+            </a:fillRef>
+            <a:effectRef idx="1">
+              <a:schemeClr val="accent6"/>
+            </a:effectRef>
+            <a:fontRef idx="minor">
+              <a:schemeClr val="dk1"/>
+            </a:fontRef>
+          </p:style>
+          <p:txBody>
+            <a:bodyPr rtlCol="0" anchor="ctr"/>
+            <a:lstStyle/>
+            <a:p>
+              <a:pPr algn="ctr"/>
+              <a:endParaRPr lang="en-SG" sz="1050">
+                <a:solidFill>
+                  <a:schemeClr val="tx1"/>
+                </a:solidFill>
+              </a:endParaRPr>
+            </a:p>
+          </p:txBody>
+        </p:sp>
+        <p:cxnSp>
+          <p:nvCxnSpPr>
+            <p:cNvPr id="20" name="Elbow Connector 19">
+              <a:extLst>
+                <a:ext uri="{FF2B5EF4-FFF2-40B4-BE49-F238E27FC236}">
+                  <a16:creationId xmlns:a16="http://schemas.microsoft.com/office/drawing/2014/main" id="{F988F7FB-F127-A947-B320-E3B3A93209D8}"/>
+                </a:ext>
+              </a:extLst>
+            </p:cNvPr>
+            <p:cNvCxnSpPr>
+              <a:stCxn id="52" idx="3"/>
+              <a:endCxn id="76" idx="1"/>
+            </p:cNvCxnSpPr>
+            <p:nvPr/>
+          </p:nvCxnSpPr>
+          <p:spPr>
+            <a:xfrm flipV="1">
+              <a:off x="7204634" y="2707130"/>
+              <a:ext cx="507763" cy="330617"/>
+            </a:xfrm>
+            <a:prstGeom prst="bentConnector3">
+              <a:avLst/>
+            </a:prstGeom>
+            <a:ln w="19050"/>
+          </p:spPr>
+          <p:style>
+            <a:lnRef idx="1">
+              <a:schemeClr val="dk1"/>
+            </a:lnRef>
+            <a:fillRef idx="0">
+              <a:schemeClr val="dk1"/>
+            </a:fillRef>
+            <a:effectRef idx="0">
+              <a:schemeClr val="dk1"/>
+            </a:effectRef>
+            <a:fontRef idx="minor">
+              <a:schemeClr val="tx1"/>
+            </a:fontRef>
+          </p:style>
+        </p:cxnSp>
+        <p:cxnSp>
+          <p:nvCxnSpPr>
+            <p:cNvPr id="25" name="Elbow Connector 24">
+              <a:extLst>
+                <a:ext uri="{FF2B5EF4-FFF2-40B4-BE49-F238E27FC236}">
+                  <a16:creationId xmlns:a16="http://schemas.microsoft.com/office/drawing/2014/main" id="{1FB662E5-15D6-844C-B0CA-BC4A68CEA209}"/>
+                </a:ext>
+              </a:extLst>
+            </p:cNvPr>
+            <p:cNvCxnSpPr>
+              <a:cxnSpLocks/>
+              <a:stCxn id="52" idx="3"/>
+            </p:cNvCxnSpPr>
+            <p:nvPr/>
+          </p:nvCxnSpPr>
+          <p:spPr>
+            <a:xfrm>
+              <a:off x="7204634" y="3037747"/>
+              <a:ext cx="506459" cy="319157"/>
+            </a:xfrm>
+            <a:prstGeom prst="bentConnector3">
+              <a:avLst/>
+            </a:prstGeom>
+            <a:ln w="19050"/>
+          </p:spPr>
+          <p:style>
+            <a:lnRef idx="1">
+              <a:schemeClr val="dk1"/>
+            </a:lnRef>
+            <a:fillRef idx="0">
+              <a:schemeClr val="dk1"/>
+            </a:fillRef>
+            <a:effectRef idx="0">
+              <a:schemeClr val="dk1"/>
+            </a:effectRef>
+            <a:fontRef idx="minor">
+              <a:schemeClr val="tx1"/>
+            </a:fontRef>
+          </p:style>
+        </p:cxnSp>
+        <p:sp>
+          <p:nvSpPr>
+            <p:cNvPr id="72" name="Rectangle 8">
+              <a:extLst>
+                <a:ext uri="{FF2B5EF4-FFF2-40B4-BE49-F238E27FC236}">
+                  <a16:creationId xmlns:a16="http://schemas.microsoft.com/office/drawing/2014/main" id="{05231909-0F47-654A-8236-B97AFA1ED4BE}"/>
+                </a:ext>
+              </a:extLst>
+            </p:cNvPr>
+            <p:cNvSpPr/>
+            <p:nvPr/>
+          </p:nvSpPr>
+          <p:spPr>
+            <a:xfrm>
+              <a:off x="4461204" y="3431568"/>
+              <a:ext cx="1156969" cy="346760"/>
+            </a:xfrm>
+            <a:prstGeom prst="rect">
+              <a:avLst/>
+            </a:prstGeom>
+            <a:noFill/>
+            <a:ln w="19050">
+              <a:solidFill>
+                <a:schemeClr val="tx1"/>
+              </a:solidFill>
+            </a:ln>
+            <a:effectLst/>
+          </p:spPr>
+          <p:style>
+            <a:lnRef idx="1">
+              <a:schemeClr val="accent4"/>
+            </a:lnRef>
+            <a:fillRef idx="2">
+              <a:schemeClr val="accent4"/>
+            </a:fillRef>
+            <a:effectRef idx="1">
+              <a:schemeClr val="accent4"/>
+            </a:effectRef>
+            <a:fontRef idx="minor">
+              <a:schemeClr val="dk1"/>
+            </a:fontRef>
+          </p:style>
+          <p:txBody>
+            <a:bodyPr rtlCol="0" anchor="ctr"/>
+            <a:lstStyle/>
+            <a:p>
+              <a:pPr algn="ctr"/>
+              <a:r>
+                <a:rPr lang="en-US" sz="1050" dirty="0" err="1">
+                  <a:solidFill>
+                    <a:schemeClr val="tx1"/>
+                  </a:solidFill>
+                </a:rPr>
+                <a:t>CardTag</a:t>
+              </a:r>
+              <a:endParaRPr lang="en-SG" sz="1050" dirty="0">
+                <a:solidFill>
+                  <a:schemeClr val="tx1"/>
+                </a:solidFill>
+              </a:endParaRPr>
+            </a:p>
+          </p:txBody>
+        </p:sp>
+        <p:cxnSp>
+          <p:nvCxnSpPr>
+            <p:cNvPr id="27" name="Elbow Connector 26">
+              <a:extLst>
+                <a:ext uri="{FF2B5EF4-FFF2-40B4-BE49-F238E27FC236}">
+                  <a16:creationId xmlns:a16="http://schemas.microsoft.com/office/drawing/2014/main" id="{2C5516A3-0571-8A42-81F7-6925EA23B139}"/>
+                </a:ext>
+              </a:extLst>
+            </p:cNvPr>
+            <p:cNvCxnSpPr>
+              <a:cxnSpLocks/>
+            </p:cNvCxnSpPr>
+            <p:nvPr/>
+          </p:nvCxnSpPr>
+          <p:spPr>
+            <a:xfrm>
+              <a:off x="4233051" y="2760681"/>
+              <a:ext cx="240853" cy="844267"/>
+            </a:xfrm>
+            <a:prstGeom prst="bentConnector3">
+              <a:avLst/>
+            </a:prstGeom>
+            <a:ln w="19050">
+              <a:tailEnd type="arrow"/>
+            </a:ln>
+          </p:spPr>
+          <p:style>
+            <a:lnRef idx="1">
+              <a:schemeClr val="dk1"/>
+            </a:lnRef>
+            <a:fillRef idx="0">
+              <a:schemeClr val="dk1"/>
+            </a:fillRef>
+            <a:effectRef idx="0">
+              <a:schemeClr val="dk1"/>
+            </a:effectRef>
+            <a:fontRef idx="minor">
+              <a:schemeClr val="tx1"/>
+            </a:fontRef>
+          </p:style>
+        </p:cxnSp>
+        <p:sp>
+          <p:nvSpPr>
+            <p:cNvPr id="77" name="TextBox 76">
+              <a:extLst>
+                <a:ext uri="{FF2B5EF4-FFF2-40B4-BE49-F238E27FC236}">
+                  <a16:creationId xmlns:a16="http://schemas.microsoft.com/office/drawing/2014/main" id="{689EDF31-C85D-B44C-82D9-B17C16321E49}"/>
+                </a:ext>
+              </a:extLst>
+            </p:cNvPr>
+            <p:cNvSpPr txBox="1"/>
+            <p:nvPr/>
+          </p:nvSpPr>
+          <p:spPr>
+            <a:xfrm>
+              <a:off x="4275190" y="3656702"/>
+              <a:ext cx="189257" cy="178683"/>
+            </a:xfrm>
+            <a:prstGeom prst="rect">
+              <a:avLst/>
+            </a:prstGeom>
+            <a:noFill/>
+            <a:ln>
+              <a:noFill/>
+            </a:ln>
+          </p:spPr>
+          <p:txBody>
+            <a:bodyPr wrap="square" lIns="0" tIns="0" rIns="0" bIns="0" rtlCol="0">
+              <a:noAutofit/>
+            </a:bodyPr>
+            <a:lstStyle/>
+            <a:p>
+              <a:pPr algn="ctr"/>
+              <a:r>
+                <a:rPr lang="en-US" sz="1100" dirty="0"/>
+                <a:t>1</a:t>
+              </a:r>
+              <a:endParaRPr lang="en-SG" sz="1100" dirty="0"/>
             </a:p>
           </p:txBody>
         </p:sp>
